--- a/pub/Council/Agenda2009Aug11/ED-Report.pptx
+++ b/pub/Council/Agenda2009Aug11/ED-Report.pptx
@@ -8762,7 +8762,21 @@
           <a:p>
             <a:r>
               <a:rPr lang="en-US"/>
-              <a:t>Campus </a:t>
+              <a:t>Campus</a:t>
+            </a:r>
+            <a:r>
+              <a:rPr lang="en-US"/>
+              <a:t> </a:t>
+            </a:r>
+            <a:r>
+              <a:rPr lang="en-US" sz="1400">
+                <a:hlinkClick r:id="rId3"/>
+              </a:rPr>
+              <a:t>https://twiki.grid.iu.edu/twiki/pub/Council/Agenda2009Aug11/NCI__the_Campuses_v3.pdf</a:t>
+            </a:r>
+            <a:r>
+              <a:rPr lang="en-US" sz="1400"/>
+              <a:t> </a:t>
             </a:r>
           </a:p>
           <a:p>
@@ -8772,27 +8786,27 @@
             <a:r>
               <a:rPr lang="en-US"/>
               <a:t>Workforce development </a:t>
-            </a:r>
-            <a:r>
-              <a:rPr lang="en-US" sz="1400" u="sng">
-                <a:hlinkClick r:id="rId3"/>
-              </a:rPr>
-              <a:t>http://osg-docdb.opensciencegrid.org/cgi-bin/ShowDocument?docid=864</a:t>
-            </a:r>
-            <a:endParaRPr lang="en-US" sz="1400"/>
-          </a:p>
-          <a:p>
-            <a:endParaRPr lang="en-US"/>
-          </a:p>
-          <a:p>
-            <a:r>
-              <a:rPr lang="en-US"/>
-              <a:t>OSG TG Collaboration - input to MPS request </a:t>
             </a:r>
             <a:r>
               <a:rPr lang="en-US" sz="1400" u="sng">
                 <a:hlinkClick r:id="rId4"/>
               </a:rPr>
+              <a:t>http://osg-docdb.opensciencegrid.org/cgi-bin/ShowDocument?docid=864</a:t>
+            </a:r>
+            <a:endParaRPr lang="en-US" sz="1400"/>
+          </a:p>
+          <a:p>
+            <a:endParaRPr lang="en-US"/>
+          </a:p>
+          <a:p>
+            <a:r>
+              <a:rPr lang="en-US"/>
+              <a:t>OSG TG Collaboration - input to MPS request </a:t>
+            </a:r>
+            <a:r>
+              <a:rPr lang="en-US" sz="1400" u="sng">
+                <a:hlinkClick r:id="rId5"/>
+              </a:rPr>
               <a:t>https://osg-docdb.opensciencegrid.org:440/cgi-bin/ShowDocument?docid=879</a:t>
             </a:r>
             <a:endParaRPr lang="en-US" sz="1400"/>
@@ -8807,7 +8821,7 @@
             </a:r>
             <a:r>
               <a:rPr lang="en-US" sz="1400">
-                <a:hlinkClick r:id="rId5"/>
+                <a:hlinkClick r:id="rId6"/>
               </a:rPr>
               <a:t>https://twiki.grid.iu.edu/twiki/pub/Council/Agenda2009Aug11/OSG_TG_SharedPriciples_v4-3.docx</a:t>
             </a:r>
